--- a/misc/water_drainage.pptx
+++ b/misc/water_drainage.pptx
@@ -5,12 +5,14 @@
     <p:sldMasterId id="2147483648" r:id="rId1"/>
   </p:sldMasterIdLst>
   <p:notesMasterIdLst>
-    <p:notesMasterId r:id="rId5"/>
+    <p:notesMasterId r:id="rId7"/>
   </p:notesMasterIdLst>
   <p:sldIdLst>
     <p:sldId id="278" r:id="rId2"/>
-    <p:sldId id="277" r:id="rId3"/>
-    <p:sldId id="276" r:id="rId4"/>
+    <p:sldId id="279" r:id="rId3"/>
+    <p:sldId id="277" r:id="rId4"/>
+    <p:sldId id="276" r:id="rId5"/>
+    <p:sldId id="280" r:id="rId6"/>
   </p:sldIdLst>
   <p:sldSz cx="12192000" cy="6858000"/>
   <p:notesSz cx="6858000" cy="9144000"/>
@@ -198,7 +200,7 @@
           </a:lstStyle>
           <a:p>
             <a:fld id="{E8E811CC-6321-BF4C-AA9B-846696B364A6}" type="datetimeFigureOut">
-              <a:t>8/11/24</a:t>
+              <a:t>3/31/25</a:t>
             </a:fld>
             <a:endParaRPr lang="en-US"/>
           </a:p>
@@ -610,7 +612,7 @@
           <a:lstStyle/>
           <a:p>
             <a:fld id="{16286276-9013-2A43-82D1-BA4685C95117}" type="datetimeFigureOut">
-              <a:t>8/11/24</a:t>
+              <a:t>3/31/25</a:t>
             </a:fld>
             <a:endParaRPr lang="en-US"/>
           </a:p>
@@ -806,7 +808,7 @@
           <a:lstStyle/>
           <a:p>
             <a:fld id="{16286276-9013-2A43-82D1-BA4685C95117}" type="datetimeFigureOut">
-              <a:t>8/11/24</a:t>
+              <a:t>3/31/25</a:t>
             </a:fld>
             <a:endParaRPr lang="en-US"/>
           </a:p>
@@ -1012,7 +1014,7 @@
           <a:lstStyle/>
           <a:p>
             <a:fld id="{16286276-9013-2A43-82D1-BA4685C95117}" type="datetimeFigureOut">
-              <a:t>8/11/24</a:t>
+              <a:t>3/31/25</a:t>
             </a:fld>
             <a:endParaRPr lang="en-US"/>
           </a:p>
@@ -1208,7 +1210,7 @@
           <a:lstStyle/>
           <a:p>
             <a:fld id="{16286276-9013-2A43-82D1-BA4685C95117}" type="datetimeFigureOut">
-              <a:t>8/11/24</a:t>
+              <a:t>3/31/25</a:t>
             </a:fld>
             <a:endParaRPr lang="en-US"/>
           </a:p>
@@ -1481,7 +1483,7 @@
           <a:lstStyle/>
           <a:p>
             <a:fld id="{16286276-9013-2A43-82D1-BA4685C95117}" type="datetimeFigureOut">
-              <a:t>8/11/24</a:t>
+              <a:t>3/31/25</a:t>
             </a:fld>
             <a:endParaRPr lang="en-US"/>
           </a:p>
@@ -1744,7 +1746,7 @@
           <a:lstStyle/>
           <a:p>
             <a:fld id="{16286276-9013-2A43-82D1-BA4685C95117}" type="datetimeFigureOut">
-              <a:t>8/11/24</a:t>
+              <a:t>3/31/25</a:t>
             </a:fld>
             <a:endParaRPr lang="en-US"/>
           </a:p>
@@ -2154,7 +2156,7 @@
           <a:lstStyle/>
           <a:p>
             <a:fld id="{16286276-9013-2A43-82D1-BA4685C95117}" type="datetimeFigureOut">
-              <a:t>8/11/24</a:t>
+              <a:t>3/31/25</a:t>
             </a:fld>
             <a:endParaRPr lang="en-US"/>
           </a:p>
@@ -2293,7 +2295,7 @@
           <a:lstStyle/>
           <a:p>
             <a:fld id="{16286276-9013-2A43-82D1-BA4685C95117}" type="datetimeFigureOut">
-              <a:t>8/11/24</a:t>
+              <a:t>3/31/25</a:t>
             </a:fld>
             <a:endParaRPr lang="en-US"/>
           </a:p>
@@ -2404,7 +2406,7 @@
           <a:lstStyle/>
           <a:p>
             <a:fld id="{16286276-9013-2A43-82D1-BA4685C95117}" type="datetimeFigureOut">
-              <a:t>8/11/24</a:t>
+              <a:t>3/31/25</a:t>
             </a:fld>
             <a:endParaRPr lang="en-US"/>
           </a:p>
@@ -2713,7 +2715,7 @@
           <a:lstStyle/>
           <a:p>
             <a:fld id="{16286276-9013-2A43-82D1-BA4685C95117}" type="datetimeFigureOut">
-              <a:t>8/11/24</a:t>
+              <a:t>3/31/25</a:t>
             </a:fld>
             <a:endParaRPr lang="en-US"/>
           </a:p>
@@ -2999,7 +3001,7 @@
           <a:lstStyle/>
           <a:p>
             <a:fld id="{16286276-9013-2A43-82D1-BA4685C95117}" type="datetimeFigureOut">
-              <a:t>8/11/24</a:t>
+              <a:t>3/31/25</a:t>
             </a:fld>
             <a:endParaRPr lang="en-US"/>
           </a:p>
@@ -3238,7 +3240,7 @@
           </a:lstStyle>
           <a:p>
             <a:fld id="{16286276-9013-2A43-82D1-BA4685C95117}" type="datetimeFigureOut">
-              <a:t>8/11/24</a:t>
+              <a:t>3/31/25</a:t>
             </a:fld>
             <a:endParaRPr lang="en-US"/>
           </a:p>
@@ -3656,10 +3658,714 @@
       </p:grpSpPr>
       <p:sp>
         <p:nvSpPr>
+          <p:cNvPr id="5" name="TextBox 4">
+            <a:extLst>
+              <a:ext uri="{FF2B5EF4-FFF2-40B4-BE49-F238E27FC236}">
+                <a16:creationId xmlns:a16="http://schemas.microsoft.com/office/drawing/2014/main" id="{60736A96-B4CD-DEDA-B3CC-11337F54CDD6}"/>
+              </a:ext>
+            </a:extLst>
+          </p:cNvPr>
+          <p:cNvSpPr txBox="1"/>
+          <p:nvPr/>
+        </p:nvSpPr>
+        <p:spPr>
+          <a:xfrm>
+            <a:off x="227965" y="138647"/>
+            <a:ext cx="1400915" cy="461665"/>
+          </a:xfrm>
+          <a:prstGeom prst="rect">
+            <a:avLst/>
+          </a:prstGeom>
+          <a:noFill/>
+        </p:spPr>
+        <p:txBody>
+          <a:bodyPr wrap="square">
+            <a:spAutoFit/>
+          </a:bodyPr>
+          <a:lstStyle/>
+          <a:p>
+            <a:r>
+              <a:rPr lang="en-US" sz="2400" b="1" dirty="0"/>
+              <a:t>Gravel</a:t>
+            </a:r>
+          </a:p>
+        </p:txBody>
+      </p:sp>
+      <p:sp>
+        <p:nvSpPr>
+          <p:cNvPr id="6" name="TextBox 5">
+            <a:extLst>
+              <a:ext uri="{FF2B5EF4-FFF2-40B4-BE49-F238E27FC236}">
+                <a16:creationId xmlns:a16="http://schemas.microsoft.com/office/drawing/2014/main" id="{CA6F8755-33CF-55DF-41F4-B65BE0855BF0}"/>
+              </a:ext>
+            </a:extLst>
+          </p:cNvPr>
+          <p:cNvSpPr txBox="1"/>
+          <p:nvPr/>
+        </p:nvSpPr>
+        <p:spPr>
+          <a:xfrm>
+            <a:off x="75561" y="1074472"/>
+            <a:ext cx="3574492" cy="2200602"/>
+          </a:xfrm>
+          <a:prstGeom prst="rect">
+            <a:avLst/>
+          </a:prstGeom>
+          <a:solidFill>
+            <a:schemeClr val="accent4">
+              <a:lumMod val="20000"/>
+              <a:lumOff val="80000"/>
+            </a:schemeClr>
+          </a:solidFill>
+          <a:ln>
+            <a:solidFill>
+              <a:srgbClr val="FF0000"/>
+            </a:solidFill>
+          </a:ln>
+        </p:spPr>
+        <p:txBody>
+          <a:bodyPr wrap="square" rtlCol="0">
+            <a:spAutoFit/>
+          </a:bodyPr>
+          <a:lstStyle>
+            <a:defPPr>
+              <a:defRPr lang="en-US"/>
+            </a:defPPr>
+            <a:lvl1pPr>
+              <a:defRPr sz="1400"/>
+            </a:lvl1pPr>
+          </a:lstStyle>
+          <a:p>
+            <a:r>
+              <a:rPr lang="en-US" dirty="0">
+                <a:solidFill>
+                  <a:srgbClr val="1F1F1F"/>
+                </a:solidFill>
+                <a:latin typeface="Google Sans"/>
+              </a:rPr>
+              <a:t>R</a:t>
+            </a:r>
+            <a:r>
+              <a:rPr lang="en-US" b="0" i="0" dirty="0">
+                <a:solidFill>
+                  <a:srgbClr val="1F1F1F"/>
+                </a:solidFill>
+                <a:effectLst/>
+                <a:latin typeface="Google Sans"/>
+              </a:rPr>
+              <a:t>utledge </a:t>
+            </a:r>
+            <a:r>
+              <a:rPr lang="en-US" dirty="0">
+                <a:solidFill>
+                  <a:srgbClr val="1F1F1F"/>
+                </a:solidFill>
+                <a:latin typeface="Google Sans"/>
+              </a:rPr>
+              <a:t>E</a:t>
+            </a:r>
+            <a:r>
+              <a:rPr lang="en-US" b="0" i="0" dirty="0">
+                <a:solidFill>
+                  <a:srgbClr val="1F1F1F"/>
+                </a:solidFill>
+                <a:effectLst/>
+                <a:latin typeface="Google Sans"/>
+              </a:rPr>
+              <a:t>xcavating </a:t>
+            </a:r>
+            <a:r>
+              <a:rPr lang="en-US" dirty="0">
+                <a:solidFill>
+                  <a:srgbClr val="1F1F1F"/>
+                </a:solidFill>
+                <a:latin typeface="Google Sans"/>
+              </a:rPr>
+              <a:t>G</a:t>
+            </a:r>
+            <a:r>
+              <a:rPr lang="en-US" b="0" i="0" dirty="0">
+                <a:solidFill>
+                  <a:srgbClr val="1F1F1F"/>
+                </a:solidFill>
+                <a:effectLst/>
+                <a:latin typeface="Google Sans"/>
+              </a:rPr>
+              <a:t>ravel</a:t>
+            </a:r>
+          </a:p>
+          <a:p>
+            <a:endParaRPr lang="en-US" dirty="0">
+              <a:solidFill>
+                <a:srgbClr val="1F1F1F"/>
+              </a:solidFill>
+              <a:latin typeface="Google Sans"/>
+            </a:endParaRPr>
+          </a:p>
+          <a:p>
+            <a:r>
+              <a:rPr lang="en-US" dirty="0"/>
+              <a:t>570-224-4720•Jen_load_area – main phone</a:t>
+            </a:r>
+          </a:p>
+          <a:p>
+            <a:r>
+              <a:rPr lang="en-US" dirty="0"/>
+              <a:t>570-224-8042•Main_Office</a:t>
+            </a:r>
+          </a:p>
+          <a:p>
+            <a:r>
+              <a:rPr lang="en-US" dirty="0"/>
+              <a:t>570-224-4002•Driver_Toby_Johannes</a:t>
+            </a:r>
+          </a:p>
+          <a:p>
+            <a:endParaRPr lang="en-US" dirty="0"/>
+          </a:p>
+          <a:p>
+            <a:r>
+              <a:rPr lang="en-US" dirty="0"/>
+              <a:t>2434 Hancock Hwy, </a:t>
+            </a:r>
+            <a:r>
+              <a:rPr lang="en-US" dirty="0" err="1"/>
+              <a:t>Equinunk</a:t>
+            </a:r>
+            <a:r>
+              <a:rPr lang="en-US" dirty="0"/>
+              <a:t>, PA 18417</a:t>
+            </a:r>
+          </a:p>
+          <a:p>
+            <a:r>
+              <a:rPr lang="en-US" dirty="0"/>
+              <a:t>2496 Hancock Hwy, </a:t>
+            </a:r>
+            <a:r>
+              <a:rPr lang="en-US" dirty="0" err="1"/>
+              <a:t>Equinunk</a:t>
+            </a:r>
+            <a:r>
+              <a:rPr lang="en-US" dirty="0"/>
+              <a:t>, PA 18469</a:t>
+            </a:r>
+          </a:p>
+          <a:p>
+            <a:r>
+              <a:rPr lang="en-US" sz="1100" dirty="0">
+                <a:hlinkClick r:id="rId2"/>
+              </a:rPr>
+              <a:t>https://</a:t>
+            </a:r>
+            <a:r>
+              <a:rPr lang="en-US" sz="1100" dirty="0" err="1">
+                <a:hlinkClick r:id="rId2"/>
+              </a:rPr>
+              <a:t>www.facebook.com</a:t>
+            </a:r>
+            <a:r>
+              <a:rPr lang="en-US" sz="1100" dirty="0">
+                <a:hlinkClick r:id="rId2"/>
+              </a:rPr>
+              <a:t>/</a:t>
+            </a:r>
+            <a:r>
+              <a:rPr lang="en-US" sz="1100" dirty="0" err="1">
+                <a:hlinkClick r:id="rId2"/>
+              </a:rPr>
+              <a:t>RutledgeExcavating</a:t>
+            </a:r>
+            <a:r>
+              <a:rPr lang="en-US" sz="1100" dirty="0">
+                <a:hlinkClick r:id="rId2"/>
+              </a:rPr>
+              <a:t>/</a:t>
+            </a:r>
+            <a:endParaRPr lang="en-US" sz="1100" dirty="0"/>
+          </a:p>
+          <a:p>
+            <a:r>
+              <a:rPr lang="en-US" b="0" i="0" dirty="0">
+                <a:solidFill>
+                  <a:srgbClr val="080809"/>
+                </a:solidFill>
+                <a:effectLst/>
+                <a:latin typeface="system-ui"/>
+              </a:rPr>
+              <a:t>email: </a:t>
+            </a:r>
+            <a:r>
+              <a:rPr lang="en-US" b="0" i="0" dirty="0" err="1">
+                <a:solidFill>
+                  <a:srgbClr val="080809"/>
+                </a:solidFill>
+                <a:effectLst/>
+                <a:latin typeface="system-ui"/>
+              </a:rPr>
+              <a:t>info@rutledgeexcavating.com</a:t>
+            </a:r>
+            <a:endParaRPr lang="en-US" dirty="0"/>
+          </a:p>
+        </p:txBody>
+      </p:sp>
+      <p:sp>
+        <p:nvSpPr>
+          <p:cNvPr id="8" name="TextBox 7">
+            <a:extLst>
+              <a:ext uri="{FF2B5EF4-FFF2-40B4-BE49-F238E27FC236}">
+                <a16:creationId xmlns:a16="http://schemas.microsoft.com/office/drawing/2014/main" id="{BCF52295-7C4B-7934-CC4A-A8FDA6615A21}"/>
+              </a:ext>
+            </a:extLst>
+          </p:cNvPr>
+          <p:cNvSpPr txBox="1"/>
+          <p:nvPr/>
+        </p:nvSpPr>
+        <p:spPr>
+          <a:xfrm>
+            <a:off x="71788" y="3429000"/>
+            <a:ext cx="3574492" cy="1384995"/>
+          </a:xfrm>
+          <a:prstGeom prst="rect">
+            <a:avLst/>
+          </a:prstGeom>
+          <a:solidFill>
+            <a:schemeClr val="accent4">
+              <a:lumMod val="20000"/>
+              <a:lumOff val="80000"/>
+            </a:schemeClr>
+          </a:solidFill>
+          <a:ln>
+            <a:solidFill>
+              <a:srgbClr val="FF0000"/>
+            </a:solidFill>
+          </a:ln>
+        </p:spPr>
+        <p:txBody>
+          <a:bodyPr wrap="square" rtlCol="0">
+            <a:spAutoFit/>
+          </a:bodyPr>
+          <a:lstStyle>
+            <a:defPPr>
+              <a:defRPr lang="en-US"/>
+            </a:defPPr>
+            <a:lvl1pPr>
+              <a:defRPr sz="1400"/>
+            </a:lvl1pPr>
+          </a:lstStyle>
+          <a:p>
+            <a:r>
+              <a:rPr lang="en-US" b="0" i="0" dirty="0">
+                <a:solidFill>
+                  <a:srgbClr val="1F1F1F"/>
+                </a:solidFill>
+                <a:effectLst/>
+                <a:latin typeface="Google Sans"/>
+              </a:rPr>
+              <a:t>Brian </a:t>
+            </a:r>
+            <a:r>
+              <a:rPr lang="en-US" b="0" i="0" dirty="0" err="1">
+                <a:solidFill>
+                  <a:srgbClr val="1F1F1F"/>
+                </a:solidFill>
+                <a:effectLst/>
+                <a:latin typeface="Google Sans"/>
+              </a:rPr>
+              <a:t>Hillriegel</a:t>
+            </a:r>
+            <a:r>
+              <a:rPr lang="en-US" b="0" i="0" dirty="0">
+                <a:solidFill>
+                  <a:srgbClr val="1F1F1F"/>
+                </a:solidFill>
+                <a:effectLst/>
+                <a:latin typeface="Google Sans"/>
+              </a:rPr>
+              <a:t>. (d.b.a.  </a:t>
+            </a:r>
+            <a:r>
+              <a:rPr lang="en-US" b="0" i="0" dirty="0">
+                <a:solidFill>
+                  <a:srgbClr val="1F1F1F"/>
+                </a:solidFill>
+                <a:effectLst/>
+                <a:latin typeface="Google Sans Text"/>
+              </a:rPr>
+              <a:t>B P Construction)</a:t>
+            </a:r>
+            <a:endParaRPr lang="en-US" b="0" i="0" dirty="0">
+              <a:solidFill>
+                <a:srgbClr val="1F1F1F"/>
+              </a:solidFill>
+              <a:effectLst/>
+              <a:latin typeface="Google Sans"/>
+            </a:endParaRPr>
+          </a:p>
+          <a:p>
+            <a:endParaRPr lang="en-US" dirty="0"/>
+          </a:p>
+          <a:p>
+            <a:r>
+              <a:rPr lang="en-US" dirty="0"/>
+              <a:t>845-807-8592 - mobile</a:t>
+            </a:r>
+          </a:p>
+          <a:p>
+            <a:endParaRPr lang="en-US" dirty="0"/>
+          </a:p>
+          <a:p>
+            <a:r>
+              <a:rPr lang="en-US" dirty="0"/>
+              <a:t>Co Rd 131, Callicoon, NY 12723</a:t>
+            </a:r>
+          </a:p>
+          <a:p>
+            <a:r>
+              <a:rPr lang="en-US" dirty="0"/>
+              <a:t>66 </a:t>
+            </a:r>
+            <a:r>
+              <a:rPr lang="en-US" dirty="0" err="1"/>
+              <a:t>Hillriegel</a:t>
+            </a:r>
+            <a:r>
+              <a:rPr lang="en-US" dirty="0"/>
+              <a:t> Dr, Callicoon, NY 12723-5338</a:t>
+            </a:r>
+          </a:p>
+        </p:txBody>
+      </p:sp>
+      <p:pic>
+        <p:nvPicPr>
+          <p:cNvPr id="11" name="Picture 10" descr="A pile of rocks and a note&#10;&#10;AI-generated content may be incorrect.">
+            <a:extLst>
+              <a:ext uri="{FF2B5EF4-FFF2-40B4-BE49-F238E27FC236}">
+                <a16:creationId xmlns:a16="http://schemas.microsoft.com/office/drawing/2014/main" id="{7FC6CC73-53C6-21E7-BF4A-7554B7B0D6B9}"/>
+              </a:ext>
+            </a:extLst>
+          </p:cNvPr>
+          <p:cNvPicPr>
+            <a:picLocks noChangeAspect="1"/>
+          </p:cNvPicPr>
+          <p:nvPr/>
+        </p:nvPicPr>
+        <p:blipFill>
+          <a:blip r:embed="rId3" cstate="email">
+            <a:extLst>
+              <a:ext uri="{28A0092B-C50C-407E-A947-70E740481C1C}">
+                <a14:useLocalDpi xmlns:a14="http://schemas.microsoft.com/office/drawing/2010/main"/>
+              </a:ext>
+            </a:extLst>
+          </a:blip>
+          <a:stretch>
+            <a:fillRect/>
+          </a:stretch>
+        </p:blipFill>
+        <p:spPr>
+          <a:xfrm rot="5400000">
+            <a:off x="3293048" y="1513851"/>
+            <a:ext cx="3566057" cy="2674543"/>
+          </a:xfrm>
+          <a:prstGeom prst="rect">
+            <a:avLst/>
+          </a:prstGeom>
+        </p:spPr>
+      </p:pic>
+      <p:pic>
+        <p:nvPicPr>
+          <p:cNvPr id="13" name="Picture 12" descr="A hand holding a note with a pile of rocks&#10;&#10;AI-generated content may be incorrect.">
+            <a:extLst>
+              <a:ext uri="{FF2B5EF4-FFF2-40B4-BE49-F238E27FC236}">
+                <a16:creationId xmlns:a16="http://schemas.microsoft.com/office/drawing/2014/main" id="{BC15D40C-1817-CF67-2AC9-C637CDC7FBDC}"/>
+              </a:ext>
+            </a:extLst>
+          </p:cNvPr>
+          <p:cNvPicPr>
+            <a:picLocks noChangeAspect="1"/>
+          </p:cNvPicPr>
+          <p:nvPr/>
+        </p:nvPicPr>
+        <p:blipFill>
+          <a:blip r:embed="rId4" cstate="email">
+            <a:extLst>
+              <a:ext uri="{28A0092B-C50C-407E-A947-70E740481C1C}">
+                <a14:useLocalDpi xmlns:a14="http://schemas.microsoft.com/office/drawing/2010/main"/>
+              </a:ext>
+            </a:extLst>
+          </a:blip>
+          <a:stretch>
+            <a:fillRect/>
+          </a:stretch>
+        </p:blipFill>
+        <p:spPr>
+          <a:xfrm rot="5400000">
+            <a:off x="6119995" y="1515923"/>
+            <a:ext cx="3566057" cy="2674542"/>
+          </a:xfrm>
+          <a:prstGeom prst="rect">
+            <a:avLst/>
+          </a:prstGeom>
+        </p:spPr>
+      </p:pic>
+      <p:pic>
+        <p:nvPicPr>
+          <p:cNvPr id="15" name="Picture 14" descr="A person holding a price tag with rocks in it&#10;&#10;AI-generated content may be incorrect.">
+            <a:extLst>
+              <a:ext uri="{FF2B5EF4-FFF2-40B4-BE49-F238E27FC236}">
+                <a16:creationId xmlns:a16="http://schemas.microsoft.com/office/drawing/2014/main" id="{BAFCBF0E-76F1-0FF2-1E5C-BDB7ECB6C317}"/>
+              </a:ext>
+            </a:extLst>
+          </p:cNvPr>
+          <p:cNvPicPr>
+            <a:picLocks noChangeAspect="1"/>
+          </p:cNvPicPr>
+          <p:nvPr/>
+        </p:nvPicPr>
+        <p:blipFill>
+          <a:blip r:embed="rId5" cstate="email">
+            <a:extLst>
+              <a:ext uri="{28A0092B-C50C-407E-A947-70E740481C1C}">
+                <a14:useLocalDpi xmlns:a14="http://schemas.microsoft.com/office/drawing/2010/main"/>
+              </a:ext>
+            </a:extLst>
+          </a:blip>
+          <a:stretch>
+            <a:fillRect/>
+          </a:stretch>
+        </p:blipFill>
+        <p:spPr>
+          <a:xfrm rot="5400000">
+            <a:off x="8979589" y="1520228"/>
+            <a:ext cx="3566058" cy="2674543"/>
+          </a:xfrm>
+          <a:prstGeom prst="rect">
+            <a:avLst/>
+          </a:prstGeom>
+        </p:spPr>
+      </p:pic>
+      <p:sp>
+        <p:nvSpPr>
+          <p:cNvPr id="16" name="TextBox 15">
+            <a:extLst>
+              <a:ext uri="{FF2B5EF4-FFF2-40B4-BE49-F238E27FC236}">
+                <a16:creationId xmlns:a16="http://schemas.microsoft.com/office/drawing/2014/main" id="{F9D662B5-667F-9313-0181-90D6A66C70F8}"/>
+              </a:ext>
+            </a:extLst>
+          </p:cNvPr>
+          <p:cNvSpPr txBox="1"/>
+          <p:nvPr/>
+        </p:nvSpPr>
+        <p:spPr>
+          <a:xfrm>
+            <a:off x="3738805" y="4755614"/>
+            <a:ext cx="2674543" cy="307777"/>
+          </a:xfrm>
+          <a:prstGeom prst="rect">
+            <a:avLst/>
+          </a:prstGeom>
+          <a:solidFill>
+            <a:schemeClr val="accent4">
+              <a:lumMod val="20000"/>
+              <a:lumOff val="80000"/>
+            </a:schemeClr>
+          </a:solidFill>
+          <a:ln>
+            <a:solidFill>
+              <a:srgbClr val="FF0000"/>
+            </a:solidFill>
+          </a:ln>
+        </p:spPr>
+        <p:txBody>
+          <a:bodyPr wrap="square" rtlCol="0">
+            <a:spAutoFit/>
+          </a:bodyPr>
+          <a:lstStyle>
+            <a:defPPr>
+              <a:defRPr lang="en-US"/>
+            </a:defPPr>
+            <a:lvl1pPr>
+              <a:defRPr sz="1400"/>
+            </a:lvl1pPr>
+          </a:lstStyle>
+          <a:p>
+            <a:pPr algn="ctr"/>
+            <a:r>
+              <a:rPr lang="en-US" b="0" i="0" dirty="0">
+                <a:solidFill>
+                  <a:srgbClr val="1F1F1F"/>
+                </a:solidFill>
+                <a:effectLst/>
+                <a:latin typeface="Google Sans"/>
+              </a:rPr>
+              <a:t>2-A Mod</a:t>
+            </a:r>
+            <a:endParaRPr lang="en-US" dirty="0"/>
+          </a:p>
+        </p:txBody>
+      </p:sp>
+      <p:sp>
+        <p:nvSpPr>
+          <p:cNvPr id="17" name="TextBox 16">
+            <a:extLst>
+              <a:ext uri="{FF2B5EF4-FFF2-40B4-BE49-F238E27FC236}">
+                <a16:creationId xmlns:a16="http://schemas.microsoft.com/office/drawing/2014/main" id="{AEB2AF00-B2D4-8250-BAC7-8158E85790BC}"/>
+              </a:ext>
+            </a:extLst>
+          </p:cNvPr>
+          <p:cNvSpPr txBox="1"/>
+          <p:nvPr/>
+        </p:nvSpPr>
+        <p:spPr>
+          <a:xfrm>
+            <a:off x="6565752" y="4755614"/>
+            <a:ext cx="2674543" cy="307777"/>
+          </a:xfrm>
+          <a:prstGeom prst="rect">
+            <a:avLst/>
+          </a:prstGeom>
+          <a:solidFill>
+            <a:schemeClr val="accent4">
+              <a:lumMod val="20000"/>
+              <a:lumOff val="80000"/>
+            </a:schemeClr>
+          </a:solidFill>
+          <a:ln>
+            <a:solidFill>
+              <a:srgbClr val="FF0000"/>
+            </a:solidFill>
+          </a:ln>
+        </p:spPr>
+        <p:txBody>
+          <a:bodyPr wrap="square" rtlCol="0">
+            <a:spAutoFit/>
+          </a:bodyPr>
+          <a:lstStyle>
+            <a:defPPr>
+              <a:defRPr lang="en-US"/>
+            </a:defPPr>
+            <a:lvl1pPr>
+              <a:defRPr sz="1400"/>
+            </a:lvl1pPr>
+          </a:lstStyle>
+          <a:p>
+            <a:pPr algn="ctr"/>
+            <a:r>
+              <a:rPr lang="en-US" b="0" i="0" dirty="0">
+                <a:solidFill>
+                  <a:srgbClr val="1F1F1F"/>
+                </a:solidFill>
+                <a:effectLst/>
+                <a:latin typeface="Google Sans"/>
+              </a:rPr>
+              <a:t>AASHTO # 3</a:t>
+            </a:r>
+            <a:endParaRPr lang="en-US" dirty="0"/>
+          </a:p>
+        </p:txBody>
+      </p:sp>
+      <p:sp>
+        <p:nvSpPr>
+          <p:cNvPr id="18" name="TextBox 17">
+            <a:extLst>
+              <a:ext uri="{FF2B5EF4-FFF2-40B4-BE49-F238E27FC236}">
+                <a16:creationId xmlns:a16="http://schemas.microsoft.com/office/drawing/2014/main" id="{79C08BF9-B3F0-7225-326D-722239116FCB}"/>
+              </a:ext>
+            </a:extLst>
+          </p:cNvPr>
+          <p:cNvSpPr txBox="1"/>
+          <p:nvPr/>
+        </p:nvSpPr>
+        <p:spPr>
+          <a:xfrm>
+            <a:off x="9392699" y="4755614"/>
+            <a:ext cx="2674543" cy="307777"/>
+          </a:xfrm>
+          <a:prstGeom prst="rect">
+            <a:avLst/>
+          </a:prstGeom>
+          <a:solidFill>
+            <a:schemeClr val="accent4">
+              <a:lumMod val="20000"/>
+              <a:lumOff val="80000"/>
+            </a:schemeClr>
+          </a:solidFill>
+          <a:ln>
+            <a:solidFill>
+              <a:srgbClr val="FF0000"/>
+            </a:solidFill>
+          </a:ln>
+        </p:spPr>
+        <p:txBody>
+          <a:bodyPr wrap="square" rtlCol="0">
+            <a:spAutoFit/>
+          </a:bodyPr>
+          <a:lstStyle>
+            <a:defPPr>
+              <a:defRPr lang="en-US"/>
+            </a:defPPr>
+            <a:lvl1pPr>
+              <a:defRPr sz="1400"/>
+            </a:lvl1pPr>
+          </a:lstStyle>
+          <a:p>
+            <a:pPr algn="ctr"/>
+            <a:r>
+              <a:rPr lang="en-US" b="0" i="0" dirty="0">
+                <a:solidFill>
+                  <a:srgbClr val="1F1F1F"/>
+                </a:solidFill>
+                <a:effectLst/>
+                <a:latin typeface="Google Sans"/>
+              </a:rPr>
+              <a:t>2B - 57</a:t>
+            </a:r>
+            <a:endParaRPr lang="en-US" dirty="0"/>
+          </a:p>
+        </p:txBody>
+      </p:sp>
+    </p:spTree>
+    <p:extLst>
+      <p:ext uri="{BB962C8B-B14F-4D97-AF65-F5344CB8AC3E}">
+        <p14:creationId xmlns:p14="http://schemas.microsoft.com/office/powerpoint/2010/main" val="1111612488"/>
+      </p:ext>
+    </p:extLst>
+  </p:cSld>
+  <p:clrMapOvr>
+    <a:masterClrMapping/>
+  </p:clrMapOvr>
+</p:sld>
+</file>
+
+<file path=ppt/slides/slide2.xml><?xml version="1.0" encoding="utf-8"?>
+<p:sld xmlns:a="http://schemas.openxmlformats.org/drawingml/2006/main" xmlns:r="http://schemas.openxmlformats.org/officeDocument/2006/relationships" xmlns:p="http://schemas.openxmlformats.org/presentationml/2006/main">
+  <p:cSld>
+    <p:spTree>
+      <p:nvGrpSpPr>
+        <p:cNvPr id="1" name="">
+          <a:extLst>
+            <a:ext uri="{FF2B5EF4-FFF2-40B4-BE49-F238E27FC236}">
+              <a16:creationId xmlns:a16="http://schemas.microsoft.com/office/drawing/2014/main" id="{95809F3E-6FB6-2374-CA26-C1E7D6AD9702}"/>
+            </a:ext>
+          </a:extLst>
+        </p:cNvPr>
+        <p:cNvGrpSpPr/>
+        <p:nvPr/>
+      </p:nvGrpSpPr>
+      <p:grpSpPr>
+        <a:xfrm>
+          <a:off x="0" y="0"/>
+          <a:ext cx="0" cy="0"/>
+          <a:chOff x="0" y="0"/>
+          <a:chExt cx="0" cy="0"/>
+        </a:xfrm>
+      </p:grpSpPr>
+      <p:sp>
+        <p:nvSpPr>
           <p:cNvPr id="3" name="TextBox 2">
             <a:extLst>
               <a:ext uri="{FF2B5EF4-FFF2-40B4-BE49-F238E27FC236}">
-                <a16:creationId xmlns:a16="http://schemas.microsoft.com/office/drawing/2014/main" id="{ED9DF33E-03C1-6C1C-0CB5-1574BB778BE3}"/>
+                <a16:creationId xmlns:a16="http://schemas.microsoft.com/office/drawing/2014/main" id="{69357A4D-83F6-71EB-B7E4-2A47F0DF0A63}"/>
               </a:ext>
             </a:extLst>
           </p:cNvPr>
@@ -3809,7 +4515,7 @@
           <p:cNvPr id="5" name="TextBox 4">
             <a:extLst>
               <a:ext uri="{FF2B5EF4-FFF2-40B4-BE49-F238E27FC236}">
-                <a16:creationId xmlns:a16="http://schemas.microsoft.com/office/drawing/2014/main" id="{60736A96-B4CD-DEDA-B3CC-11337F54CDD6}"/>
+                <a16:creationId xmlns:a16="http://schemas.microsoft.com/office/drawing/2014/main" id="{76DE23EF-C6D5-9982-736E-FEEB940A57A1}"/>
               </a:ext>
             </a:extLst>
           </p:cNvPr>
@@ -3844,7 +4550,7 @@
           <p:cNvPr id="1026" name="Picture 2">
             <a:extLst>
               <a:ext uri="{FF2B5EF4-FFF2-40B4-BE49-F238E27FC236}">
-                <a16:creationId xmlns:a16="http://schemas.microsoft.com/office/drawing/2014/main" id="{7E25E069-5D44-70F6-0690-6724D2CC3BC9}"/>
+                <a16:creationId xmlns:a16="http://schemas.microsoft.com/office/drawing/2014/main" id="{92A0F2E4-883C-3BF2-85AC-A96EC5C63DE3}"/>
               </a:ext>
             </a:extLst>
           </p:cNvPr>
@@ -3854,10 +4560,10 @@
           <p:nvPr/>
         </p:nvPicPr>
         <p:blipFill>
-          <a:blip r:embed="rId3">
+          <a:blip r:embed="rId3" cstate="email">
             <a:extLst>
               <a:ext uri="{28A0092B-C50C-407E-A947-70E740481C1C}">
-                <a14:useLocalDpi xmlns:a14="http://schemas.microsoft.com/office/drawing/2010/main" val="0"/>
+                <a14:useLocalDpi xmlns:a14="http://schemas.microsoft.com/office/drawing/2010/main"/>
               </a:ext>
             </a:extLst>
           </a:blip>
@@ -3896,7 +4602,7 @@
           <p:cNvPr id="1030" name="Picture 6" descr="Easy sketch of how to build a waterbar">
             <a:extLst>
               <a:ext uri="{FF2B5EF4-FFF2-40B4-BE49-F238E27FC236}">
-                <a16:creationId xmlns:a16="http://schemas.microsoft.com/office/drawing/2014/main" id="{91BA6390-66EC-19E2-3A4D-8C58DE72F722}"/>
+                <a16:creationId xmlns:a16="http://schemas.microsoft.com/office/drawing/2014/main" id="{CB08C6CC-55D9-B4CF-D6D4-20B855624E63}"/>
               </a:ext>
             </a:extLst>
           </p:cNvPr>
@@ -3906,10 +4612,10 @@
           <p:nvPr/>
         </p:nvPicPr>
         <p:blipFill>
-          <a:blip r:embed="rId4">
+          <a:blip r:embed="rId4" cstate="email">
             <a:extLst>
               <a:ext uri="{28A0092B-C50C-407E-A947-70E740481C1C}">
-                <a14:useLocalDpi xmlns:a14="http://schemas.microsoft.com/office/drawing/2010/main" val="0"/>
+                <a14:useLocalDpi xmlns:a14="http://schemas.microsoft.com/office/drawing/2010/main"/>
               </a:ext>
             </a:extLst>
           </a:blip>
@@ -3948,7 +4654,7 @@
           <p:cNvPr id="2" name="TextBox 1">
             <a:extLst>
               <a:ext uri="{FF2B5EF4-FFF2-40B4-BE49-F238E27FC236}">
-                <a16:creationId xmlns:a16="http://schemas.microsoft.com/office/drawing/2014/main" id="{F00C44B8-927F-7A36-991B-85A2D69EE553}"/>
+                <a16:creationId xmlns:a16="http://schemas.microsoft.com/office/drawing/2014/main" id="{A5CFBE6E-C2DA-489C-F2DE-58CCE001C6D7}"/>
               </a:ext>
             </a:extLst>
           </p:cNvPr>
@@ -4196,7 +4902,7 @@
           <p:cNvPr id="4" name="TextBox 3">
             <a:extLst>
               <a:ext uri="{FF2B5EF4-FFF2-40B4-BE49-F238E27FC236}">
-                <a16:creationId xmlns:a16="http://schemas.microsoft.com/office/drawing/2014/main" id="{C94E12D3-ED2B-BFBE-A3B8-5E2A1B5CA36C}"/>
+                <a16:creationId xmlns:a16="http://schemas.microsoft.com/office/drawing/2014/main" id="{8ACF4AE3-AAAB-282D-46EB-251A04D5067C}"/>
               </a:ext>
             </a:extLst>
           </p:cNvPr>
@@ -4414,7 +5120,7 @@
           <p:cNvPr id="7" name="Picture 6">
             <a:extLst>
               <a:ext uri="{FF2B5EF4-FFF2-40B4-BE49-F238E27FC236}">
-                <a16:creationId xmlns:a16="http://schemas.microsoft.com/office/drawing/2014/main" id="{091DA45A-6123-BCBD-3572-B5AF8B68B67D}"/>
+                <a16:creationId xmlns:a16="http://schemas.microsoft.com/office/drawing/2014/main" id="{52433943-FFA1-1CBE-7177-0D4FC26DF484}"/>
               </a:ext>
             </a:extLst>
           </p:cNvPr>
@@ -4424,7 +5130,13 @@
           <p:nvPr/>
         </p:nvPicPr>
         <p:blipFill>
-          <a:blip r:embed="rId10"/>
+          <a:blip r:embed="rId10" cstate="email">
+            <a:extLst>
+              <a:ext uri="{28A0092B-C50C-407E-A947-70E740481C1C}">
+                <a14:useLocalDpi xmlns:a14="http://schemas.microsoft.com/office/drawing/2010/main"/>
+              </a:ext>
+            </a:extLst>
+          </a:blip>
           <a:stretch>
             <a:fillRect/>
           </a:stretch>
@@ -4449,7 +5161,7 @@
           <p:cNvPr id="10" name="Picture 9">
             <a:extLst>
               <a:ext uri="{FF2B5EF4-FFF2-40B4-BE49-F238E27FC236}">
-                <a16:creationId xmlns:a16="http://schemas.microsoft.com/office/drawing/2014/main" id="{6FAAD919-79C2-4E49-2C5D-FF2A3CF5EF4D}"/>
+                <a16:creationId xmlns:a16="http://schemas.microsoft.com/office/drawing/2014/main" id="{18A1DA56-562F-8597-06DF-89E6088561AE}"/>
               </a:ext>
             </a:extLst>
           </p:cNvPr>
@@ -4459,7 +5171,13 @@
           <p:nvPr/>
         </p:nvPicPr>
         <p:blipFill>
-          <a:blip r:embed="rId11"/>
+          <a:blip r:embed="rId11" cstate="email">
+            <a:extLst>
+              <a:ext uri="{28A0092B-C50C-407E-A947-70E740481C1C}">
+                <a14:useLocalDpi xmlns:a14="http://schemas.microsoft.com/office/drawing/2010/main"/>
+              </a:ext>
+            </a:extLst>
+          </a:blip>
           <a:stretch>
             <a:fillRect/>
           </a:stretch>
@@ -4477,7 +5195,7 @@
     </p:spTree>
     <p:extLst>
       <p:ext uri="{BB962C8B-B14F-4D97-AF65-F5344CB8AC3E}">
-        <p14:creationId xmlns:p14="http://schemas.microsoft.com/office/powerpoint/2010/main" val="1111612488"/>
+        <p14:creationId xmlns:p14="http://schemas.microsoft.com/office/powerpoint/2010/main" val="3511925960"/>
       </p:ext>
     </p:extLst>
   </p:cSld>
@@ -4487,7 +5205,7 @@
 </p:sld>
 </file>
 
-<file path=ppt/slides/slide2.xml><?xml version="1.0" encoding="utf-8"?>
+<file path=ppt/slides/slide3.xml><?xml version="1.0" encoding="utf-8"?>
 <p:sld xmlns:a="http://schemas.openxmlformats.org/drawingml/2006/main" xmlns:r="http://schemas.openxmlformats.org/officeDocument/2006/relationships" xmlns:p="http://schemas.openxmlformats.org/presentationml/2006/main">
   <p:cSld>
     <p:spTree>
@@ -4542,59 +5260,6 @@
           </a:p>
         </p:txBody>
       </p:sp>
-      <p:sp>
-        <p:nvSpPr>
-          <p:cNvPr id="3" name="TextBox 2">
-            <a:extLst>
-              <a:ext uri="{FF2B5EF4-FFF2-40B4-BE49-F238E27FC236}">
-                <a16:creationId xmlns:a16="http://schemas.microsoft.com/office/drawing/2014/main" id="{DB5A5D6E-BC77-518D-79CF-0DC86B0572AE}"/>
-              </a:ext>
-            </a:extLst>
-          </p:cNvPr>
-          <p:cNvSpPr txBox="1"/>
-          <p:nvPr/>
-        </p:nvSpPr>
-        <p:spPr>
-          <a:xfrm>
-            <a:off x="424070" y="861391"/>
-            <a:ext cx="3697356" cy="369332"/>
-          </a:xfrm>
-          <a:prstGeom prst="rect">
-            <a:avLst/>
-          </a:prstGeom>
-          <a:noFill/>
-        </p:spPr>
-        <p:txBody>
-          <a:bodyPr wrap="square" rtlCol="0">
-            <a:spAutoFit/>
-          </a:bodyPr>
-          <a:lstStyle/>
-          <a:p>
-            <a:r>
-              <a:rPr lang="en-US" dirty="0">
-                <a:hlinkClick r:id="rId2"/>
-              </a:rPr>
-              <a:t>https://</a:t>
-            </a:r>
-            <a:r>
-              <a:rPr lang="en-US" dirty="0" err="1">
-                <a:hlinkClick r:id="rId2"/>
-              </a:rPr>
-              <a:t>en.wikipedia.org</a:t>
-            </a:r>
-            <a:r>
-              <a:rPr lang="en-US" dirty="0">
-                <a:hlinkClick r:id="rId2"/>
-              </a:rPr>
-              <a:t>/wiki/Gravel</a:t>
-            </a:r>
-            <a:r>
-              <a:rPr lang="en-US" dirty="0"/>
-              <a:t> </a:t>
-            </a:r>
-          </a:p>
-        </p:txBody>
-      </p:sp>
       <p:pic>
         <p:nvPicPr>
           <p:cNvPr id="1026" name="Picture 2">
@@ -4610,10 +5275,10 @@
           <p:nvPr/>
         </p:nvPicPr>
         <p:blipFill>
-          <a:blip r:embed="rId3">
+          <a:blip r:embed="rId2" cstate="email">
             <a:extLst>
               <a:ext uri="{28A0092B-C50C-407E-A947-70E740481C1C}">
-                <a14:useLocalDpi xmlns:a14="http://schemas.microsoft.com/office/drawing/2010/main" val="0"/>
+                <a14:useLocalDpi xmlns:a14="http://schemas.microsoft.com/office/drawing/2010/main"/>
               </a:ext>
             </a:extLst>
           </a:blip>
@@ -4657,10 +5322,10 @@
           <p:nvPr/>
         </p:nvPicPr>
         <p:blipFill>
-          <a:blip r:embed="rId4">
+          <a:blip r:embed="rId3">
             <a:extLst>
               <a:ext uri="{28A0092B-C50C-407E-A947-70E740481C1C}">
-                <a14:useLocalDpi xmlns:a14="http://schemas.microsoft.com/office/drawing/2010/main" val="0"/>
+                <a14:useLocalDpi xmlns:a14="http://schemas.microsoft.com/office/drawing/2010/main"/>
               </a:ext>
             </a:extLst>
           </a:blip>
@@ -4773,8 +5438,8 @@
         </p:nvSpPr>
         <p:spPr>
           <a:xfrm>
-            <a:off x="424069" y="1600055"/>
-            <a:ext cx="3697355" cy="2462213"/>
+            <a:off x="240013" y="816415"/>
+            <a:ext cx="3697355" cy="2893100"/>
           </a:xfrm>
           <a:prstGeom prst="rect">
             <a:avLst/>
@@ -4805,6 +5470,21 @@
           </a:lstStyle>
           <a:p>
             <a:r>
+              <a:rPr lang="en-US" dirty="0">
+                <a:hlinkClick r:id="rId4"/>
+              </a:rPr>
+              <a:t>https://en.wikipedia.org/wiki/Gravel</a:t>
+            </a:r>
+            <a:r>
+              <a:rPr lang="en-US" dirty="0"/>
+              <a:t> </a:t>
+            </a:r>
+          </a:p>
+          <a:p>
+            <a:endParaRPr lang="en-US" dirty="0"/>
+          </a:p>
+          <a:p>
+            <a:r>
               <a:rPr lang="en-US" dirty="0"/>
               <a:t>gravel is categorized into :</a:t>
             </a:r>
@@ -4909,7 +5589,7 @@
         </p:nvSpPr>
         <p:spPr>
           <a:xfrm>
-            <a:off x="424069" y="4993329"/>
+            <a:off x="227964" y="5004215"/>
             <a:ext cx="5230773" cy="954107"/>
           </a:xfrm>
           <a:prstGeom prst="rect">
@@ -5110,7 +5790,7 @@
 </p:sld>
 </file>
 
-<file path=ppt/slides/slide3.xml><?xml version="1.0" encoding="utf-8"?>
+<file path=ppt/slides/slide4.xml><?xml version="1.0" encoding="utf-8"?>
 <p:sld xmlns:a="http://schemas.openxmlformats.org/drawingml/2006/main" xmlns:r="http://schemas.openxmlformats.org/officeDocument/2006/relationships" xmlns:p="http://schemas.openxmlformats.org/presentationml/2006/main">
   <p:cSld>
     <p:spTree>
@@ -5977,6 +6657,257 @@
     <p:extLst>
       <p:ext uri="{BB962C8B-B14F-4D97-AF65-F5344CB8AC3E}">
         <p14:creationId xmlns:p14="http://schemas.microsoft.com/office/powerpoint/2010/main" val="4152477358"/>
+      </p:ext>
+    </p:extLst>
+  </p:cSld>
+  <p:clrMapOvr>
+    <a:masterClrMapping/>
+  </p:clrMapOvr>
+</p:sld>
+</file>
+
+<file path=ppt/slides/slide5.xml><?xml version="1.0" encoding="utf-8"?>
+<p:sld xmlns:a="http://schemas.openxmlformats.org/drawingml/2006/main" xmlns:r="http://schemas.openxmlformats.org/officeDocument/2006/relationships" xmlns:p="http://schemas.openxmlformats.org/presentationml/2006/main">
+  <p:cSld>
+    <p:spTree>
+      <p:nvGrpSpPr>
+        <p:cNvPr id="1" name=""/>
+        <p:cNvGrpSpPr/>
+        <p:nvPr/>
+      </p:nvGrpSpPr>
+      <p:grpSpPr>
+        <a:xfrm>
+          <a:off x="0" y="0"/>
+          <a:ext cx="0" cy="0"/>
+          <a:chOff x="0" y="0"/>
+          <a:chExt cx="0" cy="0"/>
+        </a:xfrm>
+      </p:grpSpPr>
+      <p:sp>
+        <p:nvSpPr>
+          <p:cNvPr id="2" name="TextBox 1">
+            <a:extLst>
+              <a:ext uri="{FF2B5EF4-FFF2-40B4-BE49-F238E27FC236}">
+                <a16:creationId xmlns:a16="http://schemas.microsoft.com/office/drawing/2014/main" id="{ABFBA670-62E3-791F-9E5E-8E9044AB0357}"/>
+              </a:ext>
+            </a:extLst>
+          </p:cNvPr>
+          <p:cNvSpPr txBox="1"/>
+          <p:nvPr/>
+        </p:nvSpPr>
+        <p:spPr>
+          <a:xfrm>
+            <a:off x="140779" y="315687"/>
+            <a:ext cx="9743450" cy="6278642"/>
+          </a:xfrm>
+          <a:prstGeom prst="rect">
+            <a:avLst/>
+          </a:prstGeom>
+          <a:solidFill>
+            <a:schemeClr val="accent4">
+              <a:lumMod val="20000"/>
+              <a:lumOff val="80000"/>
+            </a:schemeClr>
+          </a:solidFill>
+          <a:ln>
+            <a:solidFill>
+              <a:srgbClr val="FF0000"/>
+            </a:solidFill>
+          </a:ln>
+        </p:spPr>
+        <p:txBody>
+          <a:bodyPr wrap="square" rtlCol="0">
+            <a:spAutoFit/>
+          </a:bodyPr>
+          <a:lstStyle/>
+          <a:p>
+            <a:r>
+              <a:rPr lang="en-US" sz="1400" dirty="0"/>
+              <a:t>To stabilize your steep gravel road and prevent erosion, </a:t>
+            </a:r>
+          </a:p>
+          <a:p>
+            <a:r>
+              <a:rPr lang="en-US" sz="1400" dirty="0"/>
+              <a:t>focus on creating a reinforced foundation </a:t>
+            </a:r>
+          </a:p>
+          <a:p>
+            <a:r>
+              <a:rPr lang="en-US" sz="1400" dirty="0"/>
+              <a:t>with proper drainage and anchoring. </a:t>
+            </a:r>
+          </a:p>
+          <a:p>
+            <a:r>
+              <a:rPr lang="en-US" sz="1400" dirty="0"/>
+              <a:t>Here's a solution combining gravel stabilization techniques </a:t>
+            </a:r>
+          </a:p>
+          <a:p>
+            <a:r>
+              <a:rPr lang="en-US" sz="1400" dirty="0"/>
+              <a:t>with cement plate preparation:</a:t>
+            </a:r>
+          </a:p>
+          <a:p>
+            <a:endParaRPr lang="en-US" sz="1400" dirty="0"/>
+          </a:p>
+          <a:p>
+            <a:r>
+              <a:rPr lang="en-US" sz="1400" dirty="0"/>
+              <a:t>Foundation and Stabilization Approach</a:t>
+            </a:r>
+          </a:p>
+          <a:p>
+            <a:endParaRPr lang="en-US" sz="1400" dirty="0"/>
+          </a:p>
+          <a:p>
+            <a:r>
+              <a:rPr lang="en-US" sz="1400" dirty="0"/>
+              <a:t>1. Excavate 12-18" depth across the road width (minimum 8' for single lane); Install geotextile fabric over compacted subgrade to prevent soil mixing. Add 8-12" base layer of angular crushed gravel (¾" clean stone) compacted in 4" lifts.</a:t>
+            </a:r>
+          </a:p>
+          <a:p>
+            <a:endParaRPr lang="en-US" sz="1400" dirty="0"/>
+          </a:p>
+          <a:p>
+            <a:r>
+              <a:rPr lang="en-US" sz="1400" dirty="0"/>
+              <a:t>2. Slope Anchoring System</a:t>
+            </a:r>
+          </a:p>
+          <a:p>
+            <a:endParaRPr lang="en-US" sz="1100" dirty="0">
+              <a:latin typeface="Menlo" panose="020B0609030804020204" pitchFamily="49" charset="0"/>
+              <a:ea typeface="Menlo" panose="020B0609030804020204" pitchFamily="49" charset="0"/>
+              <a:cs typeface="Menlo" panose="020B0609030804020204" pitchFamily="49" charset="0"/>
+            </a:endParaRPr>
+          </a:p>
+          <a:p>
+            <a:r>
+              <a:rPr lang="en-US" sz="1100" b="1" dirty="0">
+                <a:solidFill>
+                  <a:srgbClr val="0070C0"/>
+                </a:solidFill>
+                <a:latin typeface="Menlo" panose="020B0609030804020204" pitchFamily="49" charset="0"/>
+                <a:ea typeface="Menlo" panose="020B0609030804020204" pitchFamily="49" charset="0"/>
+                <a:cs typeface="Menlo" panose="020B0609030804020204" pitchFamily="49" charset="0"/>
+              </a:rPr>
+              <a:t>| Method               | Implementation                               | Benefit                         |</a:t>
+            </a:r>
+          </a:p>
+          <a:p>
+            <a:r>
+              <a:rPr lang="en-US" sz="1100" b="1" dirty="0">
+                <a:solidFill>
+                  <a:srgbClr val="0070C0"/>
+                </a:solidFill>
+                <a:latin typeface="Menlo" panose="020B0609030804020204" pitchFamily="49" charset="0"/>
+                <a:ea typeface="Menlo" panose="020B0609030804020204" pitchFamily="49" charset="0"/>
+                <a:cs typeface="Menlo" panose="020B0609030804020204" pitchFamily="49" charset="0"/>
+              </a:rPr>
+              <a:t>|----------------------|----------------------------------------------|---------------------------------|</a:t>
+            </a:r>
+          </a:p>
+          <a:p>
+            <a:r>
+              <a:rPr lang="en-US" sz="1100" b="1" dirty="0">
+                <a:solidFill>
+                  <a:srgbClr val="0070C0"/>
+                </a:solidFill>
+                <a:latin typeface="Menlo" panose="020B0609030804020204" pitchFamily="49" charset="0"/>
+                <a:ea typeface="Menlo" panose="020B0609030804020204" pitchFamily="49" charset="0"/>
+                <a:cs typeface="Menlo" panose="020B0609030804020204" pitchFamily="49" charset="0"/>
+              </a:rPr>
+              <a:t>| Ground anchors       | Install 2.5' rebar anchors every 6'          | Secures foundation perimeter    |</a:t>
+            </a:r>
+          </a:p>
+          <a:p>
+            <a:r>
+              <a:rPr lang="en-US" sz="1100" b="1" dirty="0">
+                <a:solidFill>
+                  <a:srgbClr val="0070C0"/>
+                </a:solidFill>
+                <a:latin typeface="Menlo" panose="020B0609030804020204" pitchFamily="49" charset="0"/>
+                <a:ea typeface="Menlo" panose="020B0609030804020204" pitchFamily="49" charset="0"/>
+                <a:cs typeface="Menlo" panose="020B0609030804020204" pitchFamily="49" charset="0"/>
+              </a:rPr>
+              <a:t>| Retaining structures | Build concrete curb/block wall on lower edge | Prevents downhill slippage      |</a:t>
+            </a:r>
+          </a:p>
+          <a:p>
+            <a:r>
+              <a:rPr lang="en-US" sz="1100" b="1" dirty="0">
+                <a:solidFill>
+                  <a:srgbClr val="0070C0"/>
+                </a:solidFill>
+                <a:latin typeface="Menlo" panose="020B0609030804020204" pitchFamily="49" charset="0"/>
+                <a:ea typeface="Menlo" panose="020B0609030804020204" pitchFamily="49" charset="0"/>
+                <a:cs typeface="Menlo" panose="020B0609030804020204" pitchFamily="49" charset="0"/>
+              </a:rPr>
+              <a:t>| Soil nails           | 1/2" steel rebars grouted into slope         | Adds shear resistance           |</a:t>
+            </a:r>
+          </a:p>
+          <a:p>
+            <a:endParaRPr lang="en-US" sz="1400" dirty="0"/>
+          </a:p>
+          <a:p>
+            <a:r>
+              <a:rPr lang="en-US" sz="1400" dirty="0"/>
+              <a:t>3. Gravel Locking Layer -  Install geocell panels (</a:t>
+            </a:r>
+            <a:r>
+              <a:rPr lang="en-US" sz="1400" dirty="0" err="1"/>
+              <a:t>BaseCore</a:t>
+            </a:r>
+            <a:r>
+              <a:rPr lang="en-US" sz="1400" dirty="0"/>
+              <a:t> HD or TRUEGRID) over base gravel. Fill cells with 20mm angular gravel, compacting to create interlocked surface; Cap with 4" layer of finer crushed stone (5-10mm) for smooth finish. </a:t>
+            </a:r>
+          </a:p>
+          <a:p>
+            <a:endParaRPr lang="en-US" sz="1400" dirty="0"/>
+          </a:p>
+          <a:p>
+            <a:r>
+              <a:rPr lang="en-US" sz="1400" dirty="0"/>
+              <a:t>4. Cement Plate Installation - Pour 6" reinforced concrete slabs (4000psi mix) with: 6×6 W2.9 welded wire mesh at mid-depth;  ½" rebar dowels extending 18" into slope every 4'; Expansion joints every 10' with sealant; Texture surface with broom finish for water runoff</a:t>
+            </a:r>
+          </a:p>
+          <a:p>
+            <a:endParaRPr lang="en-US" sz="1400" dirty="0"/>
+          </a:p>
+          <a:p>
+            <a:r>
+              <a:rPr lang="en-US" sz="1400" dirty="0"/>
+              <a:t>Critical Drainage Features</a:t>
+            </a:r>
+          </a:p>
+          <a:p>
+            <a:r>
+              <a:rPr lang="en-US" sz="1400" dirty="0"/>
+              <a:t>•   Crowned surface: 2% cross-slope minimum for water runoff</a:t>
+            </a:r>
+          </a:p>
+          <a:p>
+            <a:r>
+              <a:rPr lang="en-US" sz="1400" dirty="0"/>
+              <a:t>•   French drains: Perforated PVC pipes in gravel trenches along edges</a:t>
+            </a:r>
+          </a:p>
+          <a:p>
+            <a:r>
+              <a:rPr lang="en-US" sz="1400" dirty="0"/>
+              <a:t>•   Check dams: Concrete barriers every 15m on steeper sections</a:t>
+            </a:r>
+          </a:p>
+        </p:txBody>
+      </p:sp>
+    </p:spTree>
+    <p:extLst>
+      <p:ext uri="{BB962C8B-B14F-4D97-AF65-F5344CB8AC3E}">
+        <p14:creationId xmlns:p14="http://schemas.microsoft.com/office/powerpoint/2010/main" val="412915688"/>
       </p:ext>
     </p:extLst>
   </p:cSld>
